--- a/Figures.pptx
+++ b/Figures.pptx
@@ -11,6 +11,7 @@
     <p:sldId id="259" r:id="rId5"/>
     <p:sldId id="260" r:id="rId6"/>
     <p:sldId id="261" r:id="rId7"/>
+    <p:sldId id="262" r:id="rId8"/>
   </p:sldIdLst>
   <p:sldSz cx="12192000" cy="6858000"/>
   <p:notesSz cx="6858000" cy="9144000"/>
@@ -109,6 +110,11 @@
       </a:defRPr>
     </a:lvl9pPr>
   </p:defaultTextStyle>
+  <p:extLst>
+    <p:ext uri="{EFAFB233-063F-42B5-8137-9DF3F51BA10A}">
+      <p15:sldGuideLst xmlns:p15="http://schemas.microsoft.com/office/powerpoint/2012/main"/>
+    </p:ext>
+  </p:extLst>
 </p:presentation>
 </file>
 
@@ -3326,56 +3332,6 @@
           <a:chExt cx="0" cy="0"/>
         </a:xfrm>
       </p:grpSpPr>
-      <p:sp>
-        <p:nvSpPr>
-          <p:cNvPr id="2" name="Title 1">
-            <a:extLst>
-              <a:ext uri="{FF2B5EF4-FFF2-40B4-BE49-F238E27FC236}">
-                <a16:creationId xmlns:a16="http://schemas.microsoft.com/office/drawing/2014/main" id="{10C997C4-4531-4916-AED1-2898F5DEB921}"/>
-              </a:ext>
-            </a:extLst>
-          </p:cNvPr>
-          <p:cNvSpPr>
-            <a:spLocks noGrp="1"/>
-          </p:cNvSpPr>
-          <p:nvPr>
-            <p:ph type="ctrTitle"/>
-          </p:nvPr>
-        </p:nvSpPr>
-        <p:spPr/>
-        <p:txBody>
-          <a:bodyPr/>
-          <a:lstStyle/>
-          <a:p>
-            <a:endParaRPr lang="en-US"/>
-          </a:p>
-        </p:txBody>
-      </p:sp>
-      <p:sp>
-        <p:nvSpPr>
-          <p:cNvPr id="3" name="Subtitle 2">
-            <a:extLst>
-              <a:ext uri="{FF2B5EF4-FFF2-40B4-BE49-F238E27FC236}">
-                <a16:creationId xmlns:a16="http://schemas.microsoft.com/office/drawing/2014/main" id="{C180B006-75BF-4B32-B216-3D1B26E02295}"/>
-              </a:ext>
-            </a:extLst>
-          </p:cNvPr>
-          <p:cNvSpPr>
-            <a:spLocks noGrp="1"/>
-          </p:cNvSpPr>
-          <p:nvPr>
-            <p:ph type="subTitle" idx="1"/>
-          </p:nvPr>
-        </p:nvSpPr>
-        <p:spPr/>
-        <p:txBody>
-          <a:bodyPr/>
-          <a:lstStyle/>
-          <a:p>
-            <a:endParaRPr lang="en-US"/>
-          </a:p>
-        </p:txBody>
-      </p:sp>
     </p:spTree>
     <p:extLst>
       <p:ext uri="{BB962C8B-B14F-4D97-AF65-F5344CB8AC3E}">
@@ -6669,6 +6625,1808 @@
 </p:sld>
 </file>
 
+<file path=ppt/slides/slide7.xml><?xml version="1.0" encoding="utf-8"?>
+<p:sld xmlns:a="http://schemas.openxmlformats.org/drawingml/2006/main" xmlns:r="http://schemas.openxmlformats.org/officeDocument/2006/relationships" xmlns:p="http://schemas.openxmlformats.org/presentationml/2006/main">
+  <p:cSld>
+    <p:spTree>
+      <p:nvGrpSpPr>
+        <p:cNvPr id="1" name=""/>
+        <p:cNvGrpSpPr/>
+        <p:nvPr/>
+      </p:nvGrpSpPr>
+      <p:grpSpPr>
+        <a:xfrm>
+          <a:off x="0" y="0"/>
+          <a:ext cx="0" cy="0"/>
+          <a:chOff x="0" y="0"/>
+          <a:chExt cx="0" cy="0"/>
+        </a:xfrm>
+      </p:grpSpPr>
+      <p:graphicFrame>
+        <p:nvGraphicFramePr>
+          <p:cNvPr id="2" name="Table 1">
+            <a:extLst>
+              <a:ext uri="{FF2B5EF4-FFF2-40B4-BE49-F238E27FC236}">
+                <a16:creationId xmlns:a16="http://schemas.microsoft.com/office/drawing/2014/main" id="{8A54AA92-B118-46C7-9BCF-47CEF35696B1}"/>
+              </a:ext>
+            </a:extLst>
+          </p:cNvPr>
+          <p:cNvGraphicFramePr>
+            <a:graphicFrameLocks noGrp="1"/>
+          </p:cNvGraphicFramePr>
+          <p:nvPr>
+            <p:extLst>
+              <p:ext uri="{D42A27DB-BD31-4B8C-83A1-F6EECF244321}">
+                <p14:modId xmlns:p14="http://schemas.microsoft.com/office/powerpoint/2010/main" val="2904106103"/>
+              </p:ext>
+            </p:extLst>
+          </p:nvPr>
+        </p:nvGraphicFramePr>
+        <p:xfrm>
+          <a:off x="200023" y="448397"/>
+          <a:ext cx="3476627" cy="3200400"/>
+        </p:xfrm>
+        <a:graphic>
+          <a:graphicData uri="http://schemas.openxmlformats.org/drawingml/2006/table">
+            <a:tbl>
+              <a:tblPr firstRow="1" bandRow="1">
+                <a:tableStyleId>{5940675A-B579-460E-94D1-54222C63F5DA}</a:tableStyleId>
+              </a:tblPr>
+              <a:tblGrid>
+                <a:gridCol w="1924052">
+                  <a:extLst>
+                    <a:ext uri="{9D8B030D-6E8A-4147-A177-3AD203B41FA5}">
+                      <a16:colId xmlns:a16="http://schemas.microsoft.com/office/drawing/2014/main" val="870813463"/>
+                    </a:ext>
+                  </a:extLst>
+                </a:gridCol>
+                <a:gridCol w="1552575">
+                  <a:extLst>
+                    <a:ext uri="{9D8B030D-6E8A-4147-A177-3AD203B41FA5}">
+                      <a16:colId xmlns:a16="http://schemas.microsoft.com/office/drawing/2014/main" val="709873239"/>
+                    </a:ext>
+                  </a:extLst>
+                </a:gridCol>
+              </a:tblGrid>
+              <a:tr h="318863">
+                <a:tc gridSpan="2">
+                  <a:txBody>
+                    <a:bodyPr/>
+                    <a:lstStyle/>
+                    <a:p>
+                      <a:r>
+                        <a:rPr lang="en-US" sz="1600" b="1" u="sng" dirty="0"/>
+                        <a:t>Vehicle</a:t>
+                      </a:r>
+                      <a:endParaRPr lang="en-US" sz="1600" dirty="0"/>
+                    </a:p>
+                  </a:txBody>
+                  <a:tcPr>
+                    <a:lnB w="12700" cap="flat" cmpd="sng" algn="ctr">
+                      <a:solidFill>
+                        <a:schemeClr val="tx1"/>
+                      </a:solidFill>
+                      <a:prstDash val="solid"/>
+                      <a:round/>
+                      <a:headEnd type="none" w="med" len="med"/>
+                      <a:tailEnd type="none" w="med" len="med"/>
+                    </a:lnB>
+                  </a:tcPr>
+                </a:tc>
+                <a:tc hMerge="1">
+                  <a:txBody>
+                    <a:bodyPr/>
+                    <a:lstStyle/>
+                    <a:p>
+                      <a:endParaRPr lang="en-US"/>
+                    </a:p>
+                  </a:txBody>
+                  <a:tcPr/>
+                </a:tc>
+                <a:extLst>
+                  <a:ext uri="{0D108BD9-81ED-4DB2-BD59-A6C34878D82A}">
+                    <a16:rowId xmlns:a16="http://schemas.microsoft.com/office/drawing/2014/main" val="859155137"/>
+                  </a:ext>
+                </a:extLst>
+              </a:tr>
+              <a:tr h="2221156">
+                <a:tc>
+                  <a:txBody>
+                    <a:bodyPr/>
+                    <a:lstStyle/>
+                    <a:p>
+                      <a:r>
+                        <a:rPr lang="en-US" sz="1600" b="0" dirty="0"/>
+                        <a:t>id</a:t>
+                      </a:r>
+                    </a:p>
+                    <a:p>
+                      <a:r>
+                        <a:rPr lang="en-US" sz="1600" b="0" dirty="0"/>
+                        <a:t>pos</a:t>
+                      </a:r>
+                    </a:p>
+                    <a:p>
+                      <a:r>
+                        <a:rPr lang="en-US" sz="1600" b="0" dirty="0"/>
+                        <a:t>speed</a:t>
+                      </a:r>
+                    </a:p>
+                    <a:p>
+                      <a:r>
+                        <a:rPr lang="en-US" sz="1600" b="0" dirty="0" err="1"/>
+                        <a:t>intranceIntersection</a:t>
+                      </a:r>
+                      <a:endParaRPr lang="en-US" sz="1600" b="0" dirty="0"/>
+                    </a:p>
+                    <a:p>
+                      <a:r>
+                        <a:rPr lang="en-US" sz="1600" b="0" dirty="0" err="1"/>
+                        <a:t>entranceDirection</a:t>
+                      </a:r>
+                      <a:endParaRPr lang="en-US" sz="1600" b="0" dirty="0"/>
+                    </a:p>
+                    <a:p>
+                      <a:r>
+                        <a:rPr lang="en-US" sz="1600" b="0" dirty="0" err="1"/>
+                        <a:t>exitIntersection</a:t>
+                      </a:r>
+                      <a:endParaRPr lang="en-US" sz="1600" b="0" dirty="0"/>
+                    </a:p>
+                    <a:p>
+                      <a:r>
+                        <a:rPr lang="en-US" sz="1600" b="0" dirty="0" err="1"/>
+                        <a:t>exitDirection</a:t>
+                      </a:r>
+                      <a:endParaRPr lang="en-US" sz="1600" b="0" dirty="0"/>
+                    </a:p>
+                    <a:p>
+                      <a:r>
+                        <a:rPr lang="en-US" sz="1600" b="0" dirty="0"/>
+                        <a:t>Leader</a:t>
+                      </a:r>
+                    </a:p>
+                    <a:p>
+                      <a:r>
+                        <a:rPr lang="en-US" sz="1600" b="0" dirty="0" err="1"/>
+                        <a:t>lagger</a:t>
+                      </a:r>
+                      <a:endParaRPr lang="en-US" sz="1600" b="0" dirty="0"/>
+                    </a:p>
+                  </a:txBody>
+                  <a:tcPr>
+                    <a:lnL w="12700" cap="flat" cmpd="sng" algn="ctr">
+                      <a:solidFill>
+                        <a:schemeClr val="tx1"/>
+                      </a:solidFill>
+                      <a:prstDash val="solid"/>
+                      <a:round/>
+                      <a:headEnd type="none" w="med" len="med"/>
+                      <a:tailEnd type="none" w="med" len="med"/>
+                    </a:lnL>
+                    <a:lnR w="12700" cap="flat" cmpd="sng" algn="ctr">
+                      <a:noFill/>
+                      <a:prstDash val="solid"/>
+                      <a:round/>
+                      <a:headEnd type="none" w="med" len="med"/>
+                      <a:tailEnd type="none" w="med" len="med"/>
+                    </a:lnR>
+                    <a:lnT w="12700" cap="flat" cmpd="sng" algn="ctr">
+                      <a:solidFill>
+                        <a:schemeClr val="tx1"/>
+                      </a:solidFill>
+                      <a:prstDash val="solid"/>
+                      <a:round/>
+                      <a:headEnd type="none" w="med" len="med"/>
+                      <a:tailEnd type="none" w="med" len="med"/>
+                    </a:lnT>
+                    <a:lnB w="12700" cap="flat" cmpd="sng" algn="ctr">
+                      <a:solidFill>
+                        <a:schemeClr val="tx1"/>
+                      </a:solidFill>
+                      <a:prstDash val="solid"/>
+                      <a:round/>
+                      <a:headEnd type="none" w="med" len="med"/>
+                      <a:tailEnd type="none" w="med" len="med"/>
+                    </a:lnB>
+                  </a:tcPr>
+                </a:tc>
+                <a:tc>
+                  <a:txBody>
+                    <a:bodyPr/>
+                    <a:lstStyle/>
+                    <a:p>
+                      <a:r>
+                        <a:rPr lang="en-US" sz="1600" b="0" dirty="0" err="1"/>
+                        <a:t>leftLeader</a:t>
+                      </a:r>
+                      <a:endParaRPr lang="en-US" sz="1600" b="0" dirty="0"/>
+                    </a:p>
+                    <a:p>
+                      <a:r>
+                        <a:rPr lang="en-US" sz="1600" b="0" dirty="0" err="1"/>
+                        <a:t>leftLagger</a:t>
+                      </a:r>
+                      <a:endParaRPr lang="en-US" sz="1600" b="0" dirty="0"/>
+                    </a:p>
+                    <a:p>
+                      <a:r>
+                        <a:rPr lang="en-US" sz="1600" b="0" dirty="0" err="1"/>
+                        <a:t>rightLeader</a:t>
+                      </a:r>
+                      <a:endParaRPr lang="en-US" sz="1600" b="0" dirty="0"/>
+                    </a:p>
+                    <a:p>
+                      <a:r>
+                        <a:rPr lang="en-US" sz="1600" b="0" dirty="0" err="1"/>
+                        <a:t>rightLagger</a:t>
+                      </a:r>
+                      <a:endParaRPr lang="en-US" sz="1600" b="0" dirty="0"/>
+                    </a:p>
+                    <a:p>
+                      <a:r>
+                        <a:rPr lang="en-US" sz="1600" b="0" dirty="0" err="1"/>
+                        <a:t>startTime</a:t>
+                      </a:r>
+                      <a:endParaRPr lang="en-US" sz="1600" b="0" dirty="0"/>
+                    </a:p>
+                    <a:p>
+                      <a:r>
+                        <a:rPr lang="en-US" sz="1600" b="0" dirty="0" err="1"/>
+                        <a:t>endTime</a:t>
+                      </a:r>
+                      <a:endParaRPr lang="en-US" sz="1600" b="0" dirty="0"/>
+                    </a:p>
+                    <a:p>
+                      <a:r>
+                        <a:rPr lang="en-US" sz="1600" b="0" dirty="0" err="1"/>
+                        <a:t>isFollowingLight</a:t>
+                      </a:r>
+                      <a:endParaRPr lang="en-US" sz="1600" b="0" dirty="0"/>
+                    </a:p>
+                    <a:p>
+                      <a:r>
+                        <a:rPr lang="en-US" sz="1600" b="0" dirty="0" err="1"/>
+                        <a:t>trafficLight</a:t>
+                      </a:r>
+                      <a:endParaRPr lang="en-US" dirty="0"/>
+                    </a:p>
+                  </a:txBody>
+                  <a:tcPr>
+                    <a:lnL w="12700" cap="flat" cmpd="sng" algn="ctr">
+                      <a:noFill/>
+                      <a:prstDash val="solid"/>
+                      <a:round/>
+                      <a:headEnd type="none" w="med" len="med"/>
+                      <a:tailEnd type="none" w="med" len="med"/>
+                    </a:lnL>
+                    <a:lnR w="12700" cap="flat" cmpd="sng" algn="ctr">
+                      <a:solidFill>
+                        <a:schemeClr val="tx1"/>
+                      </a:solidFill>
+                      <a:prstDash val="solid"/>
+                      <a:round/>
+                      <a:headEnd type="none" w="med" len="med"/>
+                      <a:tailEnd type="none" w="med" len="med"/>
+                    </a:lnR>
+                    <a:lnT w="12700" cap="flat" cmpd="sng" algn="ctr">
+                      <a:solidFill>
+                        <a:schemeClr val="tx1"/>
+                      </a:solidFill>
+                      <a:prstDash val="solid"/>
+                      <a:round/>
+                      <a:headEnd type="none" w="med" len="med"/>
+                      <a:tailEnd type="none" w="med" len="med"/>
+                    </a:lnT>
+                    <a:lnB w="12700" cap="flat" cmpd="sng" algn="ctr">
+                      <a:solidFill>
+                        <a:schemeClr val="tx1"/>
+                      </a:solidFill>
+                      <a:prstDash val="solid"/>
+                      <a:round/>
+                      <a:headEnd type="none" w="med" len="med"/>
+                      <a:tailEnd type="none" w="med" len="med"/>
+                    </a:lnB>
+                  </a:tcPr>
+                </a:tc>
+                <a:extLst>
+                  <a:ext uri="{0D108BD9-81ED-4DB2-BD59-A6C34878D82A}">
+                    <a16:rowId xmlns:a16="http://schemas.microsoft.com/office/drawing/2014/main" val="2159804113"/>
+                  </a:ext>
+                </a:extLst>
+              </a:tr>
+              <a:tr h="419959">
+                <a:tc>
+                  <a:txBody>
+                    <a:bodyPr/>
+                    <a:lstStyle/>
+                    <a:p>
+                      <a:pPr marL="0" marR="0" lvl="0" indent="0" algn="l" defTabSz="914400" rtl="0" eaLnBrk="1" fontAlgn="auto" latinLnBrk="0" hangingPunct="1">
+                        <a:lnSpc>
+                          <a:spcPct val="100000"/>
+                        </a:lnSpc>
+                        <a:spcBef>
+                          <a:spcPts val="0"/>
+                        </a:spcBef>
+                        <a:spcAft>
+                          <a:spcPts val="0"/>
+                        </a:spcAft>
+                        <a:buClrTx/>
+                        <a:buSzTx/>
+                        <a:buFontTx/>
+                        <a:buNone/>
+                        <a:tabLst/>
+                        <a:defRPr/>
+                      </a:pPr>
+                      <a:r>
+                        <a:rPr lang="en-US" sz="1600" dirty="0"/>
+                        <a:t>update()</a:t>
+                      </a:r>
+                    </a:p>
+                    <a:p>
+                      <a:pPr marL="0" marR="0" lvl="0" indent="0" algn="l" defTabSz="914400" rtl="0" eaLnBrk="1" fontAlgn="auto" latinLnBrk="0" hangingPunct="1">
+                        <a:lnSpc>
+                          <a:spcPct val="100000"/>
+                        </a:lnSpc>
+                        <a:spcBef>
+                          <a:spcPts val="0"/>
+                        </a:spcBef>
+                        <a:spcAft>
+                          <a:spcPts val="0"/>
+                        </a:spcAft>
+                        <a:buClrTx/>
+                        <a:buSzTx/>
+                        <a:buFontTx/>
+                        <a:buNone/>
+                        <a:tabLst/>
+                        <a:defRPr/>
+                      </a:pPr>
+                      <a:r>
+                        <a:rPr lang="en-US" sz="1600" dirty="0" err="1"/>
+                        <a:t>calcPos</a:t>
+                      </a:r>
+                      <a:r>
+                        <a:rPr lang="en-US" sz="1600" dirty="0"/>
+                        <a:t>()</a:t>
+                      </a:r>
+                    </a:p>
+                  </a:txBody>
+                  <a:tcPr>
+                    <a:lnR w="12700" cap="flat" cmpd="sng" algn="ctr">
+                      <a:noFill/>
+                      <a:prstDash val="solid"/>
+                      <a:round/>
+                      <a:headEnd type="none" w="med" len="med"/>
+                      <a:tailEnd type="none" w="med" len="med"/>
+                    </a:lnR>
+                    <a:lnT w="12700" cap="flat" cmpd="sng" algn="ctr">
+                      <a:solidFill>
+                        <a:schemeClr val="tx1"/>
+                      </a:solidFill>
+                      <a:prstDash val="solid"/>
+                      <a:round/>
+                      <a:headEnd type="none" w="med" len="med"/>
+                      <a:tailEnd type="none" w="med" len="med"/>
+                    </a:lnT>
+                  </a:tcPr>
+                </a:tc>
+                <a:tc>
+                  <a:txBody>
+                    <a:bodyPr/>
+                    <a:lstStyle/>
+                    <a:p>
+                      <a:pPr marL="0" marR="0" lvl="0" indent="0" algn="l" defTabSz="914400" rtl="0" eaLnBrk="1" fontAlgn="auto" latinLnBrk="0" hangingPunct="1">
+                        <a:lnSpc>
+                          <a:spcPct val="100000"/>
+                        </a:lnSpc>
+                        <a:spcBef>
+                          <a:spcPts val="0"/>
+                        </a:spcBef>
+                        <a:spcAft>
+                          <a:spcPts val="0"/>
+                        </a:spcAft>
+                        <a:buClrTx/>
+                        <a:buSzTx/>
+                        <a:buFontTx/>
+                        <a:buNone/>
+                        <a:tabLst/>
+                        <a:defRPr/>
+                      </a:pPr>
+                      <a:r>
+                        <a:rPr lang="en-US" sz="1600" dirty="0" err="1"/>
+                        <a:t>calcSpeed</a:t>
+                      </a:r>
+                      <a:r>
+                        <a:rPr lang="en-US" sz="1600" dirty="0"/>
+                        <a:t>()</a:t>
+                      </a:r>
+                    </a:p>
+                    <a:p>
+                      <a:pPr marL="0" marR="0" lvl="0" indent="0" algn="l" defTabSz="914400" rtl="0" eaLnBrk="1" fontAlgn="auto" latinLnBrk="0" hangingPunct="1">
+                        <a:lnSpc>
+                          <a:spcPct val="100000"/>
+                        </a:lnSpc>
+                        <a:spcBef>
+                          <a:spcPts val="0"/>
+                        </a:spcBef>
+                        <a:spcAft>
+                          <a:spcPts val="0"/>
+                        </a:spcAft>
+                        <a:buClrTx/>
+                        <a:buSzTx/>
+                        <a:buFontTx/>
+                        <a:buNone/>
+                        <a:tabLst/>
+                        <a:defRPr/>
+                      </a:pPr>
+                      <a:r>
+                        <a:rPr lang="en-US" sz="1600" dirty="0" err="1"/>
+                        <a:t>changeLane</a:t>
+                      </a:r>
+                      <a:r>
+                        <a:rPr lang="en-US" sz="1600" dirty="0"/>
+                        <a:t>()</a:t>
+                      </a:r>
+                    </a:p>
+                  </a:txBody>
+                  <a:tcPr>
+                    <a:lnL w="12700" cap="flat" cmpd="sng" algn="ctr">
+                      <a:noFill/>
+                      <a:prstDash val="solid"/>
+                      <a:round/>
+                      <a:headEnd type="none" w="med" len="med"/>
+                      <a:tailEnd type="none" w="med" len="med"/>
+                    </a:lnL>
+                    <a:lnT w="12700" cap="flat" cmpd="sng" algn="ctr">
+                      <a:solidFill>
+                        <a:schemeClr val="tx1"/>
+                      </a:solidFill>
+                      <a:prstDash val="solid"/>
+                      <a:round/>
+                      <a:headEnd type="none" w="med" len="med"/>
+                      <a:tailEnd type="none" w="med" len="med"/>
+                    </a:lnT>
+                  </a:tcPr>
+                </a:tc>
+                <a:extLst>
+                  <a:ext uri="{0D108BD9-81ED-4DB2-BD59-A6C34878D82A}">
+                    <a16:rowId xmlns:a16="http://schemas.microsoft.com/office/drawing/2014/main" val="2650514324"/>
+                  </a:ext>
+                </a:extLst>
+              </a:tr>
+            </a:tbl>
+          </a:graphicData>
+        </a:graphic>
+      </p:graphicFrame>
+      <p:graphicFrame>
+        <p:nvGraphicFramePr>
+          <p:cNvPr id="3" name="Table 2">
+            <a:extLst>
+              <a:ext uri="{FF2B5EF4-FFF2-40B4-BE49-F238E27FC236}">
+                <a16:creationId xmlns:a16="http://schemas.microsoft.com/office/drawing/2014/main" id="{BD364204-E06B-4EEC-9779-D180AB2D116E}"/>
+              </a:ext>
+            </a:extLst>
+          </p:cNvPr>
+          <p:cNvGraphicFramePr>
+            <a:graphicFrameLocks noGrp="1"/>
+          </p:cNvGraphicFramePr>
+          <p:nvPr>
+            <p:extLst>
+              <p:ext uri="{D42A27DB-BD31-4B8C-83A1-F6EECF244321}">
+                <p14:modId xmlns:p14="http://schemas.microsoft.com/office/powerpoint/2010/main" val="2885319870"/>
+              </p:ext>
+            </p:extLst>
+          </p:nvPr>
+        </p:nvGraphicFramePr>
+        <p:xfrm>
+          <a:off x="8185151" y="236116"/>
+          <a:ext cx="2616200" cy="2468880"/>
+        </p:xfrm>
+        <a:graphic>
+          <a:graphicData uri="http://schemas.openxmlformats.org/drawingml/2006/table">
+            <a:tbl>
+              <a:tblPr firstRow="1" bandRow="1">
+                <a:tableStyleId>{5940675A-B579-460E-94D1-54222C63F5DA}</a:tableStyleId>
+              </a:tblPr>
+              <a:tblGrid>
+                <a:gridCol w="1411903">
+                  <a:extLst>
+                    <a:ext uri="{9D8B030D-6E8A-4147-A177-3AD203B41FA5}">
+                      <a16:colId xmlns:a16="http://schemas.microsoft.com/office/drawing/2014/main" val="870813463"/>
+                    </a:ext>
+                  </a:extLst>
+                </a:gridCol>
+                <a:gridCol w="1204297">
+                  <a:extLst>
+                    <a:ext uri="{9D8B030D-6E8A-4147-A177-3AD203B41FA5}">
+                      <a16:colId xmlns:a16="http://schemas.microsoft.com/office/drawing/2014/main" val="3038047162"/>
+                    </a:ext>
+                  </a:extLst>
+                </a:gridCol>
+              </a:tblGrid>
+              <a:tr h="322288">
+                <a:tc gridSpan="2">
+                  <a:txBody>
+                    <a:bodyPr/>
+                    <a:lstStyle/>
+                    <a:p>
+                      <a:r>
+                        <a:rPr lang="en-US" sz="1600" b="1" u="sng" dirty="0" err="1"/>
+                        <a:t>TrafficLight</a:t>
+                      </a:r>
+                      <a:endParaRPr lang="en-US" sz="1600" dirty="0"/>
+                    </a:p>
+                  </a:txBody>
+                  <a:tcPr>
+                    <a:lnB w="12700" cap="flat" cmpd="sng" algn="ctr">
+                      <a:solidFill>
+                        <a:schemeClr val="tx1"/>
+                      </a:solidFill>
+                      <a:prstDash val="solid"/>
+                      <a:round/>
+                      <a:headEnd type="none" w="med" len="med"/>
+                      <a:tailEnd type="none" w="med" len="med"/>
+                    </a:lnB>
+                  </a:tcPr>
+                </a:tc>
+                <a:tc hMerge="1">
+                  <a:txBody>
+                    <a:bodyPr/>
+                    <a:lstStyle/>
+                    <a:p>
+                      <a:endParaRPr lang="en-US" dirty="0"/>
+                    </a:p>
+                  </a:txBody>
+                  <a:tcPr/>
+                </a:tc>
+                <a:extLst>
+                  <a:ext uri="{0D108BD9-81ED-4DB2-BD59-A6C34878D82A}">
+                    <a16:rowId xmlns:a16="http://schemas.microsoft.com/office/drawing/2014/main" val="859155137"/>
+                  </a:ext>
+                </a:extLst>
+              </a:tr>
+              <a:tr h="542544">
+                <a:tc>
+                  <a:txBody>
+                    <a:bodyPr/>
+                    <a:lstStyle/>
+                    <a:p>
+                      <a:r>
+                        <a:rPr lang="en-US" sz="1600" dirty="0"/>
+                        <a:t>id</a:t>
+                      </a:r>
+                    </a:p>
+                    <a:p>
+                      <a:r>
+                        <a:rPr lang="en-US" sz="1600" dirty="0"/>
+                        <a:t>pos</a:t>
+                      </a:r>
+                    </a:p>
+                  </a:txBody>
+                  <a:tcPr>
+                    <a:lnL w="12700" cap="flat" cmpd="sng" algn="ctr">
+                      <a:solidFill>
+                        <a:schemeClr val="tx1"/>
+                      </a:solidFill>
+                      <a:prstDash val="solid"/>
+                      <a:round/>
+                      <a:headEnd type="none" w="med" len="med"/>
+                      <a:tailEnd type="none" w="med" len="med"/>
+                    </a:lnL>
+                    <a:lnR w="12700" cap="flat" cmpd="sng" algn="ctr">
+                      <a:noFill/>
+                      <a:prstDash val="solid"/>
+                      <a:round/>
+                      <a:headEnd type="none" w="med" len="med"/>
+                      <a:tailEnd type="none" w="med" len="med"/>
+                    </a:lnR>
+                    <a:lnT w="12700" cap="flat" cmpd="sng" algn="ctr">
+                      <a:solidFill>
+                        <a:schemeClr val="tx1"/>
+                      </a:solidFill>
+                      <a:prstDash val="solid"/>
+                      <a:round/>
+                      <a:headEnd type="none" w="med" len="med"/>
+                      <a:tailEnd type="none" w="med" len="med"/>
+                    </a:lnT>
+                    <a:lnB w="12700" cap="flat" cmpd="sng" algn="ctr">
+                      <a:solidFill>
+                        <a:schemeClr val="tx1"/>
+                      </a:solidFill>
+                      <a:prstDash val="solid"/>
+                      <a:round/>
+                      <a:headEnd type="none" w="med" len="med"/>
+                      <a:tailEnd type="none" w="med" len="med"/>
+                    </a:lnB>
+                  </a:tcPr>
+                </a:tc>
+                <a:tc>
+                  <a:txBody>
+                    <a:bodyPr/>
+                    <a:lstStyle/>
+                    <a:p>
+                      <a:endParaRPr lang="en-US" sz="1600" dirty="0"/>
+                    </a:p>
+                  </a:txBody>
+                  <a:tcPr>
+                    <a:lnL w="12700" cap="flat" cmpd="sng" algn="ctr">
+                      <a:noFill/>
+                      <a:prstDash val="solid"/>
+                      <a:round/>
+                      <a:headEnd type="none" w="med" len="med"/>
+                      <a:tailEnd type="none" w="med" len="med"/>
+                    </a:lnL>
+                    <a:lnR w="12700" cap="flat" cmpd="sng" algn="ctr">
+                      <a:solidFill>
+                        <a:schemeClr val="tx1"/>
+                      </a:solidFill>
+                      <a:prstDash val="solid"/>
+                      <a:round/>
+                      <a:headEnd type="none" w="med" len="med"/>
+                      <a:tailEnd type="none" w="med" len="med"/>
+                    </a:lnR>
+                    <a:lnT w="12700" cap="flat" cmpd="sng" algn="ctr">
+                      <a:solidFill>
+                        <a:schemeClr val="tx1"/>
+                      </a:solidFill>
+                      <a:prstDash val="solid"/>
+                      <a:round/>
+                      <a:headEnd type="none" w="med" len="med"/>
+                      <a:tailEnd type="none" w="med" len="med"/>
+                    </a:lnT>
+                    <a:lnB w="12700" cap="flat" cmpd="sng" algn="ctr">
+                      <a:solidFill>
+                        <a:schemeClr val="tx1"/>
+                      </a:solidFill>
+                      <a:prstDash val="solid"/>
+                      <a:round/>
+                      <a:headEnd type="none" w="med" len="med"/>
+                      <a:tailEnd type="none" w="med" len="med"/>
+                    </a:lnB>
+                  </a:tcPr>
+                </a:tc>
+                <a:extLst>
+                  <a:ext uri="{0D108BD9-81ED-4DB2-BD59-A6C34878D82A}">
+                    <a16:rowId xmlns:a16="http://schemas.microsoft.com/office/drawing/2014/main" val="2159804113"/>
+                  </a:ext>
+                </a:extLst>
+              </a:tr>
+              <a:tr h="1412912">
+                <a:tc gridSpan="2">
+                  <a:txBody>
+                    <a:bodyPr/>
+                    <a:lstStyle/>
+                    <a:p>
+                      <a:pPr marL="0" marR="0" lvl="0" indent="0" algn="l" defTabSz="914400" rtl="0" eaLnBrk="1" fontAlgn="auto" latinLnBrk="0" hangingPunct="1">
+                        <a:lnSpc>
+                          <a:spcPct val="100000"/>
+                        </a:lnSpc>
+                        <a:spcBef>
+                          <a:spcPts val="0"/>
+                        </a:spcBef>
+                        <a:spcAft>
+                          <a:spcPts val="0"/>
+                        </a:spcAft>
+                        <a:buClrTx/>
+                        <a:buSzTx/>
+                        <a:buFontTx/>
+                        <a:buNone/>
+                        <a:tabLst/>
+                        <a:defRPr/>
+                      </a:pPr>
+                      <a:r>
+                        <a:rPr lang="en-US" sz="1600" kern="1200" dirty="0" err="1">
+                          <a:solidFill>
+                            <a:schemeClr val="tx1"/>
+                          </a:solidFill>
+                          <a:effectLst/>
+                          <a:latin typeface="+mn-lt"/>
+                          <a:ea typeface="+mn-ea"/>
+                          <a:cs typeface="+mn-cs"/>
+                        </a:rPr>
+                        <a:t>isSouthThroughGreen</a:t>
+                      </a:r>
+                      <a:r>
+                        <a:rPr lang="en-US" sz="1600" dirty="0"/>
+                        <a:t>()</a:t>
+                      </a:r>
+                    </a:p>
+                    <a:p>
+                      <a:pPr marL="0" marR="0" lvl="0" indent="0" algn="l" defTabSz="914400" rtl="0" eaLnBrk="1" fontAlgn="auto" latinLnBrk="0" hangingPunct="1">
+                        <a:lnSpc>
+                          <a:spcPct val="100000"/>
+                        </a:lnSpc>
+                        <a:spcBef>
+                          <a:spcPts val="0"/>
+                        </a:spcBef>
+                        <a:spcAft>
+                          <a:spcPts val="0"/>
+                        </a:spcAft>
+                        <a:buClrTx/>
+                        <a:buSzTx/>
+                        <a:buFontTx/>
+                        <a:buNone/>
+                        <a:tabLst/>
+                        <a:defRPr/>
+                      </a:pPr>
+                      <a:r>
+                        <a:rPr lang="en-US" sz="1600" dirty="0" err="1"/>
+                        <a:t>isSouthLeftGreen</a:t>
+                      </a:r>
+                      <a:r>
+                        <a:rPr lang="en-US" sz="1600" dirty="0"/>
+                        <a:t>()</a:t>
+                      </a:r>
+                    </a:p>
+                    <a:p>
+                      <a:pPr marL="0" marR="0" lvl="0" indent="0" algn="l" defTabSz="914400" rtl="0" eaLnBrk="1" fontAlgn="auto" latinLnBrk="0" hangingPunct="1">
+                        <a:lnSpc>
+                          <a:spcPct val="100000"/>
+                        </a:lnSpc>
+                        <a:spcBef>
+                          <a:spcPts val="0"/>
+                        </a:spcBef>
+                        <a:spcAft>
+                          <a:spcPts val="0"/>
+                        </a:spcAft>
+                        <a:buClrTx/>
+                        <a:buSzTx/>
+                        <a:buFontTx/>
+                        <a:buNone/>
+                        <a:tabLst/>
+                        <a:defRPr/>
+                      </a:pPr>
+                      <a:r>
+                        <a:rPr lang="en-US" sz="1600" kern="1200" dirty="0" err="1">
+                          <a:solidFill>
+                            <a:schemeClr val="tx1"/>
+                          </a:solidFill>
+                          <a:effectLst/>
+                          <a:latin typeface="+mn-lt"/>
+                          <a:ea typeface="+mn-ea"/>
+                          <a:cs typeface="+mn-cs"/>
+                        </a:rPr>
+                        <a:t>isWestThroughGreen</a:t>
+                      </a:r>
+                      <a:r>
+                        <a:rPr lang="en-US" sz="1600" dirty="0"/>
+                        <a:t>()</a:t>
+                      </a:r>
+                    </a:p>
+                    <a:p>
+                      <a:pPr marL="0" marR="0" lvl="0" indent="0" algn="l" defTabSz="914400" rtl="0" eaLnBrk="1" fontAlgn="auto" latinLnBrk="0" hangingPunct="1">
+                        <a:lnSpc>
+                          <a:spcPct val="100000"/>
+                        </a:lnSpc>
+                        <a:spcBef>
+                          <a:spcPts val="0"/>
+                        </a:spcBef>
+                        <a:spcAft>
+                          <a:spcPts val="0"/>
+                        </a:spcAft>
+                        <a:buClrTx/>
+                        <a:buSzTx/>
+                        <a:buFontTx/>
+                        <a:buNone/>
+                        <a:tabLst/>
+                        <a:defRPr/>
+                      </a:pPr>
+                      <a:r>
+                        <a:rPr lang="en-US" sz="1600" dirty="0" err="1"/>
+                        <a:t>is</a:t>
+                      </a:r>
+                      <a:r>
+                        <a:rPr lang="en-US" sz="1600" kern="1200" dirty="0" err="1">
+                          <a:solidFill>
+                            <a:schemeClr val="tx1"/>
+                          </a:solidFill>
+                          <a:effectLst/>
+                          <a:latin typeface="+mn-lt"/>
+                          <a:ea typeface="+mn-ea"/>
+                          <a:cs typeface="+mn-cs"/>
+                        </a:rPr>
+                        <a:t>West</a:t>
+                      </a:r>
+                      <a:r>
+                        <a:rPr lang="en-US" sz="1600" dirty="0" err="1"/>
+                        <a:t>LeftGreen</a:t>
+                      </a:r>
+                      <a:r>
+                        <a:rPr lang="en-US" sz="1600" dirty="0"/>
+                        <a:t>()</a:t>
+                      </a:r>
+                    </a:p>
+                    <a:p>
+                      <a:pPr marL="0" marR="0" lvl="0" indent="0" algn="l" defTabSz="914400" rtl="0" eaLnBrk="1" fontAlgn="auto" latinLnBrk="0" hangingPunct="1">
+                        <a:lnSpc>
+                          <a:spcPct val="100000"/>
+                        </a:lnSpc>
+                        <a:spcBef>
+                          <a:spcPts val="0"/>
+                        </a:spcBef>
+                        <a:spcAft>
+                          <a:spcPts val="0"/>
+                        </a:spcAft>
+                        <a:buClrTx/>
+                        <a:buSzTx/>
+                        <a:buFontTx/>
+                        <a:buNone/>
+                        <a:tabLst/>
+                        <a:defRPr/>
+                      </a:pPr>
+                      <a:r>
+                        <a:rPr lang="en-US" sz="1600" kern="1200" dirty="0" err="1">
+                          <a:solidFill>
+                            <a:schemeClr val="tx1"/>
+                          </a:solidFill>
+                          <a:effectLst/>
+                          <a:latin typeface="+mn-lt"/>
+                          <a:ea typeface="+mn-ea"/>
+                          <a:cs typeface="+mn-cs"/>
+                        </a:rPr>
+                        <a:t>isEastThroughGreen</a:t>
+                      </a:r>
+                      <a:r>
+                        <a:rPr lang="en-US" sz="1600" dirty="0"/>
+                        <a:t>()</a:t>
+                      </a:r>
+                    </a:p>
+                    <a:p>
+                      <a:pPr marL="0" marR="0" lvl="0" indent="0" algn="l" defTabSz="914400" rtl="0" eaLnBrk="1" fontAlgn="auto" latinLnBrk="0" hangingPunct="1">
+                        <a:lnSpc>
+                          <a:spcPct val="100000"/>
+                        </a:lnSpc>
+                        <a:spcBef>
+                          <a:spcPts val="0"/>
+                        </a:spcBef>
+                        <a:spcAft>
+                          <a:spcPts val="0"/>
+                        </a:spcAft>
+                        <a:buClrTx/>
+                        <a:buSzTx/>
+                        <a:buFontTx/>
+                        <a:buNone/>
+                        <a:tabLst/>
+                        <a:defRPr/>
+                      </a:pPr>
+                      <a:r>
+                        <a:rPr lang="en-US" sz="1600" dirty="0" err="1"/>
+                        <a:t>is</a:t>
+                      </a:r>
+                      <a:r>
+                        <a:rPr lang="en-US" sz="1600" kern="1200" dirty="0" err="1">
+                          <a:solidFill>
+                            <a:schemeClr val="tx1"/>
+                          </a:solidFill>
+                          <a:effectLst/>
+                          <a:latin typeface="+mn-lt"/>
+                          <a:ea typeface="+mn-ea"/>
+                          <a:cs typeface="+mn-cs"/>
+                        </a:rPr>
+                        <a:t>East</a:t>
+                      </a:r>
+                      <a:r>
+                        <a:rPr lang="en-US" sz="1600" dirty="0" err="1"/>
+                        <a:t>LeftGreen</a:t>
+                      </a:r>
+                      <a:r>
+                        <a:rPr lang="en-US" sz="1600" dirty="0"/>
+                        <a:t>()</a:t>
+                      </a:r>
+                    </a:p>
+                  </a:txBody>
+                  <a:tcPr>
+                    <a:lnT w="12700" cap="flat" cmpd="sng" algn="ctr">
+                      <a:solidFill>
+                        <a:schemeClr val="tx1"/>
+                      </a:solidFill>
+                      <a:prstDash val="solid"/>
+                      <a:round/>
+                      <a:headEnd type="none" w="med" len="med"/>
+                      <a:tailEnd type="none" w="med" len="med"/>
+                    </a:lnT>
+                  </a:tcPr>
+                </a:tc>
+                <a:tc hMerge="1">
+                  <a:txBody>
+                    <a:bodyPr/>
+                    <a:lstStyle/>
+                    <a:p>
+                      <a:endParaRPr lang="en-US" dirty="0"/>
+                    </a:p>
+                  </a:txBody>
+                  <a:tcPr/>
+                </a:tc>
+                <a:extLst>
+                  <a:ext uri="{0D108BD9-81ED-4DB2-BD59-A6C34878D82A}">
+                    <a16:rowId xmlns:a16="http://schemas.microsoft.com/office/drawing/2014/main" val="2650514324"/>
+                  </a:ext>
+                </a:extLst>
+              </a:tr>
+            </a:tbl>
+          </a:graphicData>
+        </a:graphic>
+      </p:graphicFrame>
+      <p:graphicFrame>
+        <p:nvGraphicFramePr>
+          <p:cNvPr id="4" name="Table 3">
+            <a:extLst>
+              <a:ext uri="{FF2B5EF4-FFF2-40B4-BE49-F238E27FC236}">
+                <a16:creationId xmlns:a16="http://schemas.microsoft.com/office/drawing/2014/main" id="{CA707C12-8317-45AA-898C-FAC1D1026DEF}"/>
+              </a:ext>
+            </a:extLst>
+          </p:cNvPr>
+          <p:cNvGraphicFramePr>
+            <a:graphicFrameLocks noGrp="1"/>
+          </p:cNvGraphicFramePr>
+          <p:nvPr>
+            <p:extLst>
+              <p:ext uri="{D42A27DB-BD31-4B8C-83A1-F6EECF244321}">
+                <p14:modId xmlns:p14="http://schemas.microsoft.com/office/powerpoint/2010/main" val="3626877940"/>
+              </p:ext>
+            </p:extLst>
+          </p:nvPr>
+        </p:nvGraphicFramePr>
+        <p:xfrm>
+          <a:off x="2238377" y="4391025"/>
+          <a:ext cx="1549399" cy="1737360"/>
+        </p:xfrm>
+        <a:graphic>
+          <a:graphicData uri="http://schemas.openxmlformats.org/drawingml/2006/table">
+            <a:tbl>
+              <a:tblPr firstRow="1" bandRow="1">
+                <a:tableStyleId>{5940675A-B579-460E-94D1-54222C63F5DA}</a:tableStyleId>
+              </a:tblPr>
+              <a:tblGrid>
+                <a:gridCol w="1549399">
+                  <a:extLst>
+                    <a:ext uri="{9D8B030D-6E8A-4147-A177-3AD203B41FA5}">
+                      <a16:colId xmlns:a16="http://schemas.microsoft.com/office/drawing/2014/main" val="870813463"/>
+                    </a:ext>
+                  </a:extLst>
+                </a:gridCol>
+              </a:tblGrid>
+              <a:tr h="289110">
+                <a:tc>
+                  <a:txBody>
+                    <a:bodyPr/>
+                    <a:lstStyle/>
+                    <a:p>
+                      <a:r>
+                        <a:rPr lang="en-US" sz="1600" b="1" u="sng" dirty="0" err="1"/>
+                        <a:t>FileIo</a:t>
+                      </a:r>
+                      <a:endParaRPr lang="en-US" sz="1600" b="1" u="sng" dirty="0"/>
+                    </a:p>
+                  </a:txBody>
+                  <a:tcPr>
+                    <a:lnB w="12700" cap="flat" cmpd="sng" algn="ctr">
+                      <a:solidFill>
+                        <a:schemeClr val="tx1"/>
+                      </a:solidFill>
+                      <a:prstDash val="solid"/>
+                      <a:round/>
+                      <a:headEnd type="none" w="med" len="med"/>
+                      <a:tailEnd type="none" w="med" len="med"/>
+                    </a:lnB>
+                  </a:tcPr>
+                </a:tc>
+                <a:extLst>
+                  <a:ext uri="{0D108BD9-81ED-4DB2-BD59-A6C34878D82A}">
+                    <a16:rowId xmlns:a16="http://schemas.microsoft.com/office/drawing/2014/main" val="859155137"/>
+                  </a:ext>
+                </a:extLst>
+              </a:tr>
+              <a:tr h="563357">
+                <a:tc>
+                  <a:txBody>
+                    <a:bodyPr/>
+                    <a:lstStyle/>
+                    <a:p>
+                      <a:r>
+                        <a:rPr lang="en-US" sz="1600" dirty="0"/>
+                        <a:t>distributions</a:t>
+                      </a:r>
+                    </a:p>
+                    <a:p>
+                      <a:r>
+                        <a:rPr lang="en-US" sz="1600" dirty="0"/>
+                        <a:t>rand</a:t>
+                      </a:r>
+                    </a:p>
+                  </a:txBody>
+                  <a:tcPr>
+                    <a:lnL w="12700" cap="flat" cmpd="sng" algn="ctr">
+                      <a:solidFill>
+                        <a:schemeClr val="tx1"/>
+                      </a:solidFill>
+                      <a:prstDash val="solid"/>
+                      <a:round/>
+                      <a:headEnd type="none" w="med" len="med"/>
+                      <a:tailEnd type="none" w="med" len="med"/>
+                    </a:lnL>
+                    <a:lnR w="12700" cap="flat" cmpd="sng" algn="ctr">
+                      <a:solidFill>
+                        <a:schemeClr val="tx1"/>
+                      </a:solidFill>
+                      <a:prstDash val="solid"/>
+                      <a:round/>
+                      <a:headEnd type="none" w="med" len="med"/>
+                      <a:tailEnd type="none" w="med" len="med"/>
+                    </a:lnR>
+                    <a:lnT w="12700" cap="flat" cmpd="sng" algn="ctr">
+                      <a:solidFill>
+                        <a:schemeClr val="tx1"/>
+                      </a:solidFill>
+                      <a:prstDash val="solid"/>
+                      <a:round/>
+                      <a:headEnd type="none" w="med" len="med"/>
+                      <a:tailEnd type="none" w="med" len="med"/>
+                    </a:lnT>
+                    <a:lnB w="12700" cap="flat" cmpd="sng" algn="ctr">
+                      <a:solidFill>
+                        <a:schemeClr val="tx1"/>
+                      </a:solidFill>
+                      <a:prstDash val="solid"/>
+                      <a:round/>
+                      <a:headEnd type="none" w="med" len="med"/>
+                      <a:tailEnd type="none" w="med" len="med"/>
+                    </a:lnB>
+                  </a:tcPr>
+                </a:tc>
+                <a:extLst>
+                  <a:ext uri="{0D108BD9-81ED-4DB2-BD59-A6C34878D82A}">
+                    <a16:rowId xmlns:a16="http://schemas.microsoft.com/office/drawing/2014/main" val="2159804113"/>
+                  </a:ext>
+                </a:extLst>
+              </a:tr>
+              <a:tr h="709634">
+                <a:tc>
+                  <a:txBody>
+                    <a:bodyPr/>
+                    <a:lstStyle/>
+                    <a:p>
+                      <a:pPr marL="0" marR="0" lvl="0" indent="0" algn="l" defTabSz="914400" rtl="0" eaLnBrk="1" fontAlgn="auto" latinLnBrk="0" hangingPunct="1">
+                        <a:lnSpc>
+                          <a:spcPct val="100000"/>
+                        </a:lnSpc>
+                        <a:spcBef>
+                          <a:spcPts val="0"/>
+                        </a:spcBef>
+                        <a:spcAft>
+                          <a:spcPts val="0"/>
+                        </a:spcAft>
+                        <a:buClrTx/>
+                        <a:buSzTx/>
+                        <a:buFontTx/>
+                        <a:buNone/>
+                        <a:tabLst/>
+                        <a:defRPr/>
+                      </a:pPr>
+                      <a:r>
+                        <a:rPr lang="en-US" sz="1600" dirty="0" err="1"/>
+                        <a:t>readFile</a:t>
+                      </a:r>
+                      <a:r>
+                        <a:rPr lang="en-US" sz="1600" dirty="0"/>
+                        <a:t>()</a:t>
+                      </a:r>
+                    </a:p>
+                    <a:p>
+                      <a:pPr marL="0" marR="0" lvl="0" indent="0" algn="l" defTabSz="914400" rtl="0" eaLnBrk="1" fontAlgn="auto" latinLnBrk="0" hangingPunct="1">
+                        <a:lnSpc>
+                          <a:spcPct val="100000"/>
+                        </a:lnSpc>
+                        <a:spcBef>
+                          <a:spcPts val="0"/>
+                        </a:spcBef>
+                        <a:spcAft>
+                          <a:spcPts val="0"/>
+                        </a:spcAft>
+                        <a:buClrTx/>
+                        <a:buSzTx/>
+                        <a:buFontTx/>
+                        <a:buNone/>
+                        <a:tabLst/>
+                        <a:defRPr/>
+                      </a:pPr>
+                      <a:r>
+                        <a:rPr lang="en-US" sz="1600" dirty="0" err="1"/>
+                        <a:t>writeResults</a:t>
+                      </a:r>
+                      <a:r>
+                        <a:rPr lang="en-US" sz="1600" dirty="0"/>
+                        <a:t>()</a:t>
+                      </a:r>
+                    </a:p>
+                    <a:p>
+                      <a:pPr marL="0" marR="0" lvl="0" indent="0" algn="l" defTabSz="914400" rtl="0" eaLnBrk="1" fontAlgn="auto" latinLnBrk="0" hangingPunct="1">
+                        <a:lnSpc>
+                          <a:spcPct val="100000"/>
+                        </a:lnSpc>
+                        <a:spcBef>
+                          <a:spcPts val="0"/>
+                        </a:spcBef>
+                        <a:spcAft>
+                          <a:spcPts val="0"/>
+                        </a:spcAft>
+                        <a:buClrTx/>
+                        <a:buSzTx/>
+                        <a:buFontTx/>
+                        <a:buNone/>
+                        <a:tabLst/>
+                        <a:defRPr/>
+                      </a:pPr>
+                      <a:r>
+                        <a:rPr lang="en-US" sz="1600" dirty="0" err="1"/>
+                        <a:t>generateFlow</a:t>
+                      </a:r>
+                      <a:r>
+                        <a:rPr lang="en-US" sz="1600" dirty="0"/>
+                        <a:t>()</a:t>
+                      </a:r>
+                    </a:p>
+                  </a:txBody>
+                  <a:tcPr>
+                    <a:lnT w="12700" cap="flat" cmpd="sng" algn="ctr">
+                      <a:solidFill>
+                        <a:schemeClr val="tx1"/>
+                      </a:solidFill>
+                      <a:prstDash val="solid"/>
+                      <a:round/>
+                      <a:headEnd type="none" w="med" len="med"/>
+                      <a:tailEnd type="none" w="med" len="med"/>
+                    </a:lnT>
+                  </a:tcPr>
+                </a:tc>
+                <a:extLst>
+                  <a:ext uri="{0D108BD9-81ED-4DB2-BD59-A6C34878D82A}">
+                    <a16:rowId xmlns:a16="http://schemas.microsoft.com/office/drawing/2014/main" val="2650514324"/>
+                  </a:ext>
+                </a:extLst>
+              </a:tr>
+            </a:tbl>
+          </a:graphicData>
+        </a:graphic>
+      </p:graphicFrame>
+      <p:graphicFrame>
+        <p:nvGraphicFramePr>
+          <p:cNvPr id="5" name="Table 4">
+            <a:extLst>
+              <a:ext uri="{FF2B5EF4-FFF2-40B4-BE49-F238E27FC236}">
+                <a16:creationId xmlns:a16="http://schemas.microsoft.com/office/drawing/2014/main" id="{889B107F-095E-42FC-BE68-2CEE17773D75}"/>
+              </a:ext>
+            </a:extLst>
+          </p:cNvPr>
+          <p:cNvGraphicFramePr>
+            <a:graphicFrameLocks noGrp="1"/>
+          </p:cNvGraphicFramePr>
+          <p:nvPr>
+            <p:extLst>
+              <p:ext uri="{D42A27DB-BD31-4B8C-83A1-F6EECF244321}">
+                <p14:modId xmlns:p14="http://schemas.microsoft.com/office/powerpoint/2010/main" val="653695899"/>
+              </p:ext>
+            </p:extLst>
+          </p:nvPr>
+        </p:nvGraphicFramePr>
+        <p:xfrm>
+          <a:off x="396875" y="4482465"/>
+          <a:ext cx="1247775" cy="1645920"/>
+        </p:xfrm>
+        <a:graphic>
+          <a:graphicData uri="http://schemas.openxmlformats.org/drawingml/2006/table">
+            <a:tbl>
+              <a:tblPr firstRow="1" bandRow="1">
+                <a:tableStyleId>{5940675A-B579-460E-94D1-54222C63F5DA}</a:tableStyleId>
+              </a:tblPr>
+              <a:tblGrid>
+                <a:gridCol w="1247775">
+                  <a:extLst>
+                    <a:ext uri="{9D8B030D-6E8A-4147-A177-3AD203B41FA5}">
+                      <a16:colId xmlns:a16="http://schemas.microsoft.com/office/drawing/2014/main" val="870813463"/>
+                    </a:ext>
+                  </a:extLst>
+                </a:gridCol>
+              </a:tblGrid>
+              <a:tr h="331788">
+                <a:tc>
+                  <a:txBody>
+                    <a:bodyPr/>
+                    <a:lstStyle/>
+                    <a:p>
+                      <a:r>
+                        <a:rPr lang="en-US" sz="1600" b="1" u="sng" dirty="0"/>
+                        <a:t>Distribution</a:t>
+                      </a:r>
+                    </a:p>
+                  </a:txBody>
+                  <a:tcPr>
+                    <a:lnB w="12700" cap="flat" cmpd="sng" algn="ctr">
+                      <a:solidFill>
+                        <a:schemeClr val="tx1"/>
+                      </a:solidFill>
+                      <a:prstDash val="solid"/>
+                      <a:round/>
+                      <a:headEnd type="none" w="med" len="med"/>
+                      <a:tailEnd type="none" w="med" len="med"/>
+                    </a:lnB>
+                  </a:tcPr>
+                </a:tc>
+                <a:extLst>
+                  <a:ext uri="{0D108BD9-81ED-4DB2-BD59-A6C34878D82A}">
+                    <a16:rowId xmlns:a16="http://schemas.microsoft.com/office/drawing/2014/main" val="859155137"/>
+                  </a:ext>
+                </a:extLst>
+              </a:tr>
+              <a:tr h="1296988">
+                <a:tc>
+                  <a:txBody>
+                    <a:bodyPr/>
+                    <a:lstStyle/>
+                    <a:p>
+                      <a:r>
+                        <a:rPr lang="en-US" sz="1600" dirty="0"/>
+                        <a:t>intersection</a:t>
+                      </a:r>
+                    </a:p>
+                    <a:p>
+                      <a:r>
+                        <a:rPr lang="en-US" sz="1600" dirty="0"/>
+                        <a:t>Direction</a:t>
+                      </a:r>
+                    </a:p>
+                    <a:p>
+                      <a:r>
+                        <a:rPr lang="en-US" sz="1600" dirty="0"/>
+                        <a:t>Interval[]</a:t>
+                      </a:r>
+                    </a:p>
+                    <a:p>
+                      <a:r>
+                        <a:rPr lang="en-US" sz="1600" dirty="0"/>
+                        <a:t>Prob[]</a:t>
+                      </a:r>
+                    </a:p>
+                    <a:p>
+                      <a:r>
+                        <a:rPr lang="en-US" sz="1600" dirty="0" err="1"/>
+                        <a:t>cumuProb</a:t>
+                      </a:r>
+                      <a:r>
+                        <a:rPr lang="en-US" sz="1600" dirty="0"/>
+                        <a:t>[]</a:t>
+                      </a:r>
+                    </a:p>
+                  </a:txBody>
+                  <a:tcPr>
+                    <a:lnL w="12700" cap="flat" cmpd="sng" algn="ctr">
+                      <a:solidFill>
+                        <a:schemeClr val="tx1"/>
+                      </a:solidFill>
+                      <a:prstDash val="solid"/>
+                      <a:round/>
+                      <a:headEnd type="none" w="med" len="med"/>
+                      <a:tailEnd type="none" w="med" len="med"/>
+                    </a:lnL>
+                    <a:lnR w="12700" cap="flat" cmpd="sng" algn="ctr">
+                      <a:solidFill>
+                        <a:schemeClr val="tx1"/>
+                      </a:solidFill>
+                      <a:prstDash val="solid"/>
+                      <a:round/>
+                      <a:headEnd type="none" w="med" len="med"/>
+                      <a:tailEnd type="none" w="med" len="med"/>
+                    </a:lnR>
+                    <a:lnT w="12700" cap="flat" cmpd="sng" algn="ctr">
+                      <a:solidFill>
+                        <a:schemeClr val="tx1"/>
+                      </a:solidFill>
+                      <a:prstDash val="solid"/>
+                      <a:round/>
+                      <a:headEnd type="none" w="med" len="med"/>
+                      <a:tailEnd type="none" w="med" len="med"/>
+                    </a:lnT>
+                  </a:tcPr>
+                </a:tc>
+                <a:extLst>
+                  <a:ext uri="{0D108BD9-81ED-4DB2-BD59-A6C34878D82A}">
+                    <a16:rowId xmlns:a16="http://schemas.microsoft.com/office/drawing/2014/main" val="2159804113"/>
+                  </a:ext>
+                </a:extLst>
+              </a:tr>
+            </a:tbl>
+          </a:graphicData>
+        </a:graphic>
+      </p:graphicFrame>
+      <p:cxnSp>
+        <p:nvCxnSpPr>
+          <p:cNvPr id="6" name="Connector: Elbow 5">
+            <a:extLst>
+              <a:ext uri="{FF2B5EF4-FFF2-40B4-BE49-F238E27FC236}">
+                <a16:creationId xmlns:a16="http://schemas.microsoft.com/office/drawing/2014/main" id="{2C793E13-0520-4DA8-B0AD-5B5579DA98B9}"/>
+              </a:ext>
+            </a:extLst>
+          </p:cNvPr>
+          <p:cNvCxnSpPr>
+            <a:cxnSpLocks/>
+            <a:stCxn id="3" idx="1"/>
+          </p:cNvCxnSpPr>
+          <p:nvPr/>
+        </p:nvCxnSpPr>
+        <p:spPr>
+          <a:xfrm rot="10800000" flipV="1">
+            <a:off x="7100891" y="1470556"/>
+            <a:ext cx="1084261" cy="954702"/>
+          </a:xfrm>
+          <a:prstGeom prst="bentConnector3">
+            <a:avLst>
+              <a:gd name="adj1" fmla="val 50000"/>
+            </a:avLst>
+          </a:prstGeom>
+          <a:ln w="12700">
+            <a:tailEnd type="triangle"/>
+          </a:ln>
+        </p:spPr>
+        <p:style>
+          <a:lnRef idx="1">
+            <a:schemeClr val="dk1"/>
+          </a:lnRef>
+          <a:fillRef idx="0">
+            <a:schemeClr val="dk1"/>
+          </a:fillRef>
+          <a:effectRef idx="0">
+            <a:schemeClr val="dk1"/>
+          </a:effectRef>
+          <a:fontRef idx="minor">
+            <a:schemeClr val="tx1"/>
+          </a:fontRef>
+        </p:style>
+      </p:cxnSp>
+      <p:graphicFrame>
+        <p:nvGraphicFramePr>
+          <p:cNvPr id="7" name="Table 6">
+            <a:extLst>
+              <a:ext uri="{FF2B5EF4-FFF2-40B4-BE49-F238E27FC236}">
+                <a16:creationId xmlns:a16="http://schemas.microsoft.com/office/drawing/2014/main" id="{3127CE08-6AFD-456D-B42C-D98FA6EAD137}"/>
+              </a:ext>
+            </a:extLst>
+          </p:cNvPr>
+          <p:cNvGraphicFramePr>
+            <a:graphicFrameLocks noGrp="1"/>
+          </p:cNvGraphicFramePr>
+          <p:nvPr>
+            <p:extLst>
+              <p:ext uri="{D42A27DB-BD31-4B8C-83A1-F6EECF244321}">
+                <p14:modId xmlns:p14="http://schemas.microsoft.com/office/powerpoint/2010/main" val="2392134698"/>
+              </p:ext>
+            </p:extLst>
+          </p:nvPr>
+        </p:nvGraphicFramePr>
+        <p:xfrm>
+          <a:off x="5091112" y="1763114"/>
+          <a:ext cx="2009775" cy="2912463"/>
+        </p:xfrm>
+        <a:graphic>
+          <a:graphicData uri="http://schemas.openxmlformats.org/drawingml/2006/table">
+            <a:tbl>
+              <a:tblPr firstRow="1" bandRow="1">
+                <a:tableStyleId>{5940675A-B579-460E-94D1-54222C63F5DA}</a:tableStyleId>
+              </a:tblPr>
+              <a:tblGrid>
+                <a:gridCol w="2009775">
+                  <a:extLst>
+                    <a:ext uri="{9D8B030D-6E8A-4147-A177-3AD203B41FA5}">
+                      <a16:colId xmlns:a16="http://schemas.microsoft.com/office/drawing/2014/main" val="870813463"/>
+                    </a:ext>
+                  </a:extLst>
+                </a:gridCol>
+              </a:tblGrid>
+              <a:tr h="344456">
+                <a:tc>
+                  <a:txBody>
+                    <a:bodyPr/>
+                    <a:lstStyle/>
+                    <a:p>
+                      <a:r>
+                        <a:rPr lang="en-US" sz="1600" b="1" u="sng" dirty="0"/>
+                        <a:t>Ca</a:t>
+                      </a:r>
+                      <a:endParaRPr lang="en-US" sz="1600" dirty="0"/>
+                    </a:p>
+                  </a:txBody>
+                  <a:tcPr>
+                    <a:lnB w="12700" cap="flat" cmpd="sng" algn="ctr">
+                      <a:solidFill>
+                        <a:schemeClr val="tx1"/>
+                      </a:solidFill>
+                      <a:prstDash val="solid"/>
+                      <a:round/>
+                      <a:headEnd type="none" w="med" len="med"/>
+                      <a:tailEnd type="none" w="med" len="med"/>
+                    </a:lnB>
+                  </a:tcPr>
+                </a:tc>
+                <a:extLst>
+                  <a:ext uri="{0D108BD9-81ED-4DB2-BD59-A6C34878D82A}">
+                    <a16:rowId xmlns:a16="http://schemas.microsoft.com/office/drawing/2014/main" val="859155137"/>
+                  </a:ext>
+                </a:extLst>
+              </a:tr>
+              <a:tr h="1160335">
+                <a:tc>
+                  <a:txBody>
+                    <a:bodyPr/>
+                    <a:lstStyle/>
+                    <a:p>
+                      <a:r>
+                        <a:rPr lang="en-US" sz="1600" dirty="0" err="1"/>
+                        <a:t>Vehs</a:t>
+                      </a:r>
+                      <a:r>
+                        <a:rPr lang="en-US" sz="1600" dirty="0"/>
+                        <a:t>[]</a:t>
+                      </a:r>
+                    </a:p>
+                    <a:p>
+                      <a:r>
+                        <a:rPr lang="en-US" sz="1600" dirty="0" err="1"/>
+                        <a:t>enteringVehs</a:t>
+                      </a:r>
+                      <a:r>
+                        <a:rPr lang="en-US" sz="1600" dirty="0"/>
+                        <a:t>[]</a:t>
+                      </a:r>
+                    </a:p>
+                    <a:p>
+                      <a:r>
+                        <a:rPr lang="en-US" sz="1600" dirty="0" err="1"/>
+                        <a:t>finishedVehs</a:t>
+                      </a:r>
+                      <a:r>
+                        <a:rPr lang="en-US" sz="1600" dirty="0"/>
+                        <a:t>[]</a:t>
+                      </a:r>
+                    </a:p>
+                    <a:p>
+                      <a:r>
+                        <a:rPr lang="en-US" sz="1600" dirty="0" err="1"/>
+                        <a:t>trafficLights</a:t>
+                      </a:r>
+                      <a:r>
+                        <a:rPr lang="en-US" sz="1600" dirty="0"/>
+                        <a:t>[]</a:t>
+                      </a:r>
+                    </a:p>
+                    <a:p>
+                      <a:r>
+                        <a:rPr lang="en-US" sz="1600" dirty="0"/>
+                        <a:t>time</a:t>
+                      </a:r>
+                    </a:p>
+                  </a:txBody>
+                  <a:tcPr>
+                    <a:lnL w="12700" cap="flat" cmpd="sng" algn="ctr">
+                      <a:solidFill>
+                        <a:schemeClr val="tx1"/>
+                      </a:solidFill>
+                      <a:prstDash val="solid"/>
+                      <a:round/>
+                      <a:headEnd type="none" w="med" len="med"/>
+                      <a:tailEnd type="none" w="med" len="med"/>
+                    </a:lnL>
+                    <a:lnR w="12700" cap="flat" cmpd="sng" algn="ctr">
+                      <a:solidFill>
+                        <a:schemeClr val="tx1"/>
+                      </a:solidFill>
+                      <a:prstDash val="solid"/>
+                      <a:round/>
+                      <a:headEnd type="none" w="med" len="med"/>
+                      <a:tailEnd type="none" w="med" len="med"/>
+                    </a:lnR>
+                    <a:lnT w="12700" cap="flat" cmpd="sng" algn="ctr">
+                      <a:solidFill>
+                        <a:schemeClr val="tx1"/>
+                      </a:solidFill>
+                      <a:prstDash val="solid"/>
+                      <a:round/>
+                      <a:headEnd type="none" w="med" len="med"/>
+                      <a:tailEnd type="none" w="med" len="med"/>
+                    </a:lnT>
+                    <a:lnB w="12700" cap="flat" cmpd="sng" algn="ctr">
+                      <a:solidFill>
+                        <a:schemeClr val="tx1"/>
+                      </a:solidFill>
+                      <a:prstDash val="solid"/>
+                      <a:round/>
+                      <a:headEnd type="none" w="med" len="med"/>
+                      <a:tailEnd type="none" w="med" len="med"/>
+                    </a:lnB>
+                  </a:tcPr>
+                </a:tc>
+                <a:extLst>
+                  <a:ext uri="{0D108BD9-81ED-4DB2-BD59-A6C34878D82A}">
+                    <a16:rowId xmlns:a16="http://schemas.microsoft.com/office/drawing/2014/main" val="2159804113"/>
+                  </a:ext>
+                </a:extLst>
+              </a:tr>
+              <a:tr h="1257367">
+                <a:tc>
+                  <a:txBody>
+                    <a:bodyPr/>
+                    <a:lstStyle/>
+                    <a:p>
+                      <a:pPr marL="0" marR="0" lvl="0" indent="0" algn="l" defTabSz="914400" rtl="0" eaLnBrk="1" fontAlgn="auto" latinLnBrk="0" hangingPunct="1">
+                        <a:lnSpc>
+                          <a:spcPct val="100000"/>
+                        </a:lnSpc>
+                        <a:spcBef>
+                          <a:spcPts val="0"/>
+                        </a:spcBef>
+                        <a:spcAft>
+                          <a:spcPts val="0"/>
+                        </a:spcAft>
+                        <a:buClrTx/>
+                        <a:buSzTx/>
+                        <a:buFontTx/>
+                        <a:buNone/>
+                        <a:tabLst/>
+                        <a:defRPr/>
+                      </a:pPr>
+                      <a:r>
+                        <a:rPr lang="en-US" sz="1600" kern="1200" dirty="0">
+                          <a:solidFill>
+                            <a:schemeClr val="tx1"/>
+                          </a:solidFill>
+                          <a:effectLst/>
+                          <a:latin typeface="+mn-lt"/>
+                          <a:ea typeface="+mn-ea"/>
+                          <a:cs typeface="+mn-cs"/>
+                        </a:rPr>
+                        <a:t>main()</a:t>
+                      </a:r>
+                    </a:p>
+                    <a:p>
+                      <a:pPr marL="0" marR="0" lvl="0" indent="0" algn="l" defTabSz="914400" rtl="0" eaLnBrk="1" fontAlgn="auto" latinLnBrk="0" hangingPunct="1">
+                        <a:lnSpc>
+                          <a:spcPct val="100000"/>
+                        </a:lnSpc>
+                        <a:spcBef>
+                          <a:spcPts val="0"/>
+                        </a:spcBef>
+                        <a:spcAft>
+                          <a:spcPts val="0"/>
+                        </a:spcAft>
+                        <a:buClrTx/>
+                        <a:buSzTx/>
+                        <a:buFontTx/>
+                        <a:buNone/>
+                        <a:tabLst/>
+                        <a:defRPr/>
+                      </a:pPr>
+                      <a:r>
+                        <a:rPr lang="en-US" sz="1600" dirty="0" err="1"/>
+                        <a:t>enteringVehs</a:t>
+                      </a:r>
+                      <a:r>
+                        <a:rPr lang="en-US" sz="1600" dirty="0"/>
+                        <a:t>()</a:t>
+                      </a:r>
+                    </a:p>
+                    <a:p>
+                      <a:pPr marL="0" marR="0" lvl="0" indent="0" algn="l" defTabSz="914400" rtl="0" eaLnBrk="1" fontAlgn="auto" latinLnBrk="0" hangingPunct="1">
+                        <a:lnSpc>
+                          <a:spcPct val="100000"/>
+                        </a:lnSpc>
+                        <a:spcBef>
+                          <a:spcPts val="0"/>
+                        </a:spcBef>
+                        <a:spcAft>
+                          <a:spcPts val="0"/>
+                        </a:spcAft>
+                        <a:buClrTx/>
+                        <a:buSzTx/>
+                        <a:buFontTx/>
+                        <a:buNone/>
+                        <a:tabLst/>
+                        <a:defRPr/>
+                      </a:pPr>
+                      <a:r>
+                        <a:rPr lang="en-US" sz="1600" dirty="0" err="1"/>
+                        <a:t>updateVehs</a:t>
+                      </a:r>
+                      <a:r>
+                        <a:rPr lang="en-US" sz="1600" dirty="0"/>
+                        <a:t>()</a:t>
+                      </a:r>
+                    </a:p>
+                    <a:p>
+                      <a:pPr marL="0" marR="0" lvl="0" indent="0" algn="l" defTabSz="914400" rtl="0" eaLnBrk="1" fontAlgn="auto" latinLnBrk="0" hangingPunct="1">
+                        <a:lnSpc>
+                          <a:spcPct val="100000"/>
+                        </a:lnSpc>
+                        <a:spcBef>
+                          <a:spcPts val="0"/>
+                        </a:spcBef>
+                        <a:spcAft>
+                          <a:spcPts val="0"/>
+                        </a:spcAft>
+                        <a:buClrTx/>
+                        <a:buSzTx/>
+                        <a:buFontTx/>
+                        <a:buNone/>
+                        <a:tabLst/>
+                        <a:defRPr/>
+                      </a:pPr>
+                      <a:r>
+                        <a:rPr lang="en-US" sz="1600" dirty="0" err="1"/>
+                        <a:t>updateEnvironment</a:t>
+                      </a:r>
+                      <a:r>
+                        <a:rPr lang="en-US" sz="1600" dirty="0"/>
+                        <a:t>()</a:t>
+                      </a:r>
+                    </a:p>
+                  </a:txBody>
+                  <a:tcPr>
+                    <a:lnT w="12700" cap="flat" cmpd="sng" algn="ctr">
+                      <a:solidFill>
+                        <a:schemeClr val="tx1"/>
+                      </a:solidFill>
+                      <a:prstDash val="solid"/>
+                      <a:round/>
+                      <a:headEnd type="none" w="med" len="med"/>
+                      <a:tailEnd type="none" w="med" len="med"/>
+                    </a:lnT>
+                  </a:tcPr>
+                </a:tc>
+                <a:extLst>
+                  <a:ext uri="{0D108BD9-81ED-4DB2-BD59-A6C34878D82A}">
+                    <a16:rowId xmlns:a16="http://schemas.microsoft.com/office/drawing/2014/main" val="2650514324"/>
+                  </a:ext>
+                </a:extLst>
+              </a:tr>
+            </a:tbl>
+          </a:graphicData>
+        </a:graphic>
+      </p:graphicFrame>
+      <p:cxnSp>
+        <p:nvCxnSpPr>
+          <p:cNvPr id="8" name="Connector: Elbow 7">
+            <a:extLst>
+              <a:ext uri="{FF2B5EF4-FFF2-40B4-BE49-F238E27FC236}">
+                <a16:creationId xmlns:a16="http://schemas.microsoft.com/office/drawing/2014/main" id="{6FEBA449-C369-4EF9-B86C-77323A5E3479}"/>
+              </a:ext>
+            </a:extLst>
+          </p:cNvPr>
+          <p:cNvCxnSpPr>
+            <a:cxnSpLocks/>
+          </p:cNvCxnSpPr>
+          <p:nvPr/>
+        </p:nvCxnSpPr>
+        <p:spPr>
+          <a:xfrm flipV="1">
+            <a:off x="3787776" y="3581400"/>
+            <a:ext cx="1303336" cy="1017375"/>
+          </a:xfrm>
+          <a:prstGeom prst="bentConnector3">
+            <a:avLst/>
+          </a:prstGeom>
+          <a:ln w="12700">
+            <a:tailEnd type="triangle"/>
+          </a:ln>
+        </p:spPr>
+        <p:style>
+          <a:lnRef idx="1">
+            <a:schemeClr val="dk1"/>
+          </a:lnRef>
+          <a:fillRef idx="0">
+            <a:schemeClr val="dk1"/>
+          </a:fillRef>
+          <a:effectRef idx="0">
+            <a:schemeClr val="dk1"/>
+          </a:effectRef>
+          <a:fontRef idx="minor">
+            <a:schemeClr val="tx1"/>
+          </a:fontRef>
+        </p:style>
+      </p:cxnSp>
+      <p:cxnSp>
+        <p:nvCxnSpPr>
+          <p:cNvPr id="9" name="Connector: Elbow 8">
+            <a:extLst>
+              <a:ext uri="{FF2B5EF4-FFF2-40B4-BE49-F238E27FC236}">
+                <a16:creationId xmlns:a16="http://schemas.microsoft.com/office/drawing/2014/main" id="{08016FEF-D258-4679-B4DA-C32325D5360E}"/>
+              </a:ext>
+            </a:extLst>
+          </p:cNvPr>
+          <p:cNvCxnSpPr>
+            <a:cxnSpLocks/>
+            <a:stCxn id="5" idx="3"/>
+          </p:cNvCxnSpPr>
+          <p:nvPr/>
+        </p:nvCxnSpPr>
+        <p:spPr>
+          <a:xfrm flipV="1">
+            <a:off x="1644650" y="4857750"/>
+            <a:ext cx="593727" cy="447675"/>
+          </a:xfrm>
+          <a:prstGeom prst="bentConnector3">
+            <a:avLst/>
+          </a:prstGeom>
+          <a:ln w="12700">
+            <a:tailEnd type="triangle"/>
+          </a:ln>
+        </p:spPr>
+        <p:style>
+          <a:lnRef idx="1">
+            <a:schemeClr val="dk1"/>
+          </a:lnRef>
+          <a:fillRef idx="0">
+            <a:schemeClr val="dk1"/>
+          </a:fillRef>
+          <a:effectRef idx="0">
+            <a:schemeClr val="dk1"/>
+          </a:effectRef>
+          <a:fontRef idx="minor">
+            <a:schemeClr val="tx1"/>
+          </a:fontRef>
+        </p:style>
+      </p:cxnSp>
+      <p:cxnSp>
+        <p:nvCxnSpPr>
+          <p:cNvPr id="10" name="Connector: Elbow 9">
+            <a:extLst>
+              <a:ext uri="{FF2B5EF4-FFF2-40B4-BE49-F238E27FC236}">
+                <a16:creationId xmlns:a16="http://schemas.microsoft.com/office/drawing/2014/main" id="{3A1D8578-B332-4D69-AE45-F4B7D33953A9}"/>
+              </a:ext>
+            </a:extLst>
+          </p:cNvPr>
+          <p:cNvCxnSpPr>
+            <a:cxnSpLocks/>
+            <a:stCxn id="2" idx="3"/>
+          </p:cNvCxnSpPr>
+          <p:nvPr/>
+        </p:nvCxnSpPr>
+        <p:spPr>
+          <a:xfrm>
+            <a:off x="3676650" y="2048597"/>
+            <a:ext cx="1414458" cy="304078"/>
+          </a:xfrm>
+          <a:prstGeom prst="bentConnector3">
+            <a:avLst/>
+          </a:prstGeom>
+          <a:ln w="12700">
+            <a:tailEnd type="triangle"/>
+          </a:ln>
+        </p:spPr>
+        <p:style>
+          <a:lnRef idx="1">
+            <a:schemeClr val="dk1"/>
+          </a:lnRef>
+          <a:fillRef idx="0">
+            <a:schemeClr val="dk1"/>
+          </a:fillRef>
+          <a:effectRef idx="0">
+            <a:schemeClr val="dk1"/>
+          </a:effectRef>
+          <a:fontRef idx="minor">
+            <a:schemeClr val="tx1"/>
+          </a:fontRef>
+        </p:style>
+      </p:cxnSp>
+    </p:spTree>
+    <p:extLst>
+      <p:ext uri="{BB962C8B-B14F-4D97-AF65-F5344CB8AC3E}">
+        <p14:creationId xmlns:p14="http://schemas.microsoft.com/office/powerpoint/2010/main" val="1484054266"/>
+      </p:ext>
+    </p:extLst>
+  </p:cSld>
+  <p:clrMapOvr>
+    <a:masterClrMapping/>
+  </p:clrMapOvr>
+</p:sld>
+</file>
+
 <file path=ppt/theme/theme1.xml><?xml version="1.0" encoding="utf-8"?>
 <a:theme xmlns:a="http://schemas.openxmlformats.org/drawingml/2006/main" name="Office Theme">
   <a:themeElements>

--- a/Figures.pptx
+++ b/Figures.pptx
@@ -6657,7 +6657,7 @@
           <p:nvPr>
             <p:extLst>
               <p:ext uri="{D42A27DB-BD31-4B8C-83A1-F6EECF244321}">
-                <p14:modId xmlns:p14="http://schemas.microsoft.com/office/powerpoint/2010/main" val="2904106103"/>
+                <p14:modId xmlns:p14="http://schemas.microsoft.com/office/powerpoint/2010/main" val="3336813337"/>
               </p:ext>
             </p:extLst>
           </p:nvPr>
@@ -6783,7 +6783,7 @@
                     <a:p>
                       <a:r>
                         <a:rPr lang="en-US" sz="1600" b="0" dirty="0"/>
-                        <a:t>Leader</a:t>
+                        <a:t>leader</a:t>
                       </a:r>
                     </a:p>
                     <a:p>
@@ -7804,7 +7804,7 @@
           <p:nvPr>
             <p:extLst>
               <p:ext uri="{D42A27DB-BD31-4B8C-83A1-F6EECF244321}">
-                <p14:modId xmlns:p14="http://schemas.microsoft.com/office/powerpoint/2010/main" val="653695899"/>
+                <p14:modId xmlns:p14="http://schemas.microsoft.com/office/powerpoint/2010/main" val="2806864227"/>
               </p:ext>
             </p:extLst>
           </p:nvPr>
@@ -7871,20 +7871,24 @@
                     </a:p>
                     <a:p>
                       <a:r>
+                        <a:rPr lang="en-US" altLang="zh-CN" sz="1600" dirty="0"/>
+                        <a:t>d</a:t>
+                      </a:r>
+                      <a:r>
                         <a:rPr lang="en-US" sz="1600" dirty="0"/>
-                        <a:t>Direction</a:t>
+                        <a:t>irection</a:t>
                       </a:r>
                     </a:p>
                     <a:p>
                       <a:r>
                         <a:rPr lang="en-US" sz="1600" dirty="0"/>
-                        <a:t>Interval[]</a:t>
+                        <a:t>interval[]</a:t>
                       </a:r>
                     </a:p>
                     <a:p>
                       <a:r>
                         <a:rPr lang="en-US" sz="1600" dirty="0"/>
-                        <a:t>Prob[]</a:t>
+                        <a:t>prob[]</a:t>
                       </a:r>
                     </a:p>
                     <a:p>
@@ -7997,7 +8001,7 @@
           <p:nvPr>
             <p:extLst>
               <p:ext uri="{D42A27DB-BD31-4B8C-83A1-F6EECF244321}">
-                <p14:modId xmlns:p14="http://schemas.microsoft.com/office/powerpoint/2010/main" val="2392134698"/>
+                <p14:modId xmlns:p14="http://schemas.microsoft.com/office/powerpoint/2010/main" val="1161218828"/>
               </p:ext>
             </p:extLst>
           </p:nvPr>
@@ -8059,8 +8063,12 @@
                     <a:lstStyle/>
                     <a:p>
                       <a:r>
-                        <a:rPr lang="en-US" sz="1600" dirty="0" err="1"/>
-                        <a:t>Vehs</a:t>
+                        <a:rPr lang="en-US" sz="1600" dirty="0"/>
+                        <a:t>v</a:t>
+                      </a:r>
+                      <a:r>
+                        <a:rPr lang="en-US" sz="1600"/>
+                        <a:t>ehs</a:t>
                       </a:r>
                       <a:r>
                         <a:rPr lang="en-US" sz="1600" dirty="0"/>
